--- a/go-micro和kafka.pptx
+++ b/go-micro和kafka.pptx
@@ -5,10 +5,10 @@
     <p:sldMasterId id="2147483648" r:id="rId1"/>
   </p:sldMasterIdLst>
   <p:notesMasterIdLst>
-    <p:notesMasterId r:id="rId14"/>
+    <p:notesMasterId r:id="rId16"/>
   </p:notesMasterIdLst>
   <p:handoutMasterIdLst>
-    <p:handoutMasterId r:id="rId15"/>
+    <p:handoutMasterId r:id="rId17"/>
   </p:handoutMasterIdLst>
   <p:sldIdLst>
     <p:sldId id="256" r:id="rId2"/>
@@ -21,8 +21,10 @@
     <p:sldId id="266" r:id="rId9"/>
     <p:sldId id="267" r:id="rId10"/>
     <p:sldId id="268" r:id="rId11"/>
-    <p:sldId id="261" r:id="rId12"/>
-    <p:sldId id="259" r:id="rId13"/>
+    <p:sldId id="270" r:id="rId12"/>
+    <p:sldId id="269" r:id="rId13"/>
+    <p:sldId id="261" r:id="rId14"/>
+    <p:sldId id="259" r:id="rId15"/>
   </p:sldIdLst>
   <p:sldSz cx="12192000" cy="6858000"/>
   <p:notesSz cx="7104063" cy="10234613"/>
@@ -222,7 +224,7 @@
           <a:p>
             <a:fld id="{0F9B84EA-7D68-4D60-9CB1-D50884785D1C}" type="datetimeFigureOut">
               <a:rPr lang="zh-CN" altLang="en-US" smtClean="0"/>
-              <a:t>2022/7/23</a:t>
+              <a:t>2022/8/6</a:t>
             </a:fld>
             <a:endParaRPr lang="zh-CN" altLang="en-US"/>
           </a:p>
@@ -387,7 +389,7 @@
           <a:p>
             <a:fld id="{D6C8D182-E4C8-4120-9249-FC9774456FFA}" type="datetimeFigureOut">
               <a:rPr lang="zh-CN" altLang="en-US" smtClean="0"/>
-              <a:t>2022/7/23</a:t>
+              <a:t>2022/8/6</a:t>
             </a:fld>
             <a:endParaRPr lang="zh-CN" altLang="en-US"/>
           </a:p>
@@ -727,7 +729,7 @@
           <a:p>
             <a:fld id="{760FBDFE-C587-4B4C-A407-44438C67B59E}" type="datetimeFigureOut">
               <a:rPr lang="zh-CN" altLang="en-US" smtClean="0"/>
-              <a:t>2022/7/23</a:t>
+              <a:t>2022/8/6</a:t>
             </a:fld>
             <a:endParaRPr lang="zh-CN" altLang="en-US"/>
           </a:p>
@@ -893,7 +895,7 @@
           <a:p>
             <a:fld id="{760FBDFE-C587-4B4C-A407-44438C67B59E}" type="datetimeFigureOut">
               <a:rPr lang="zh-CN" altLang="en-US" smtClean="0"/>
-              <a:t>2022/7/23</a:t>
+              <a:t>2022/8/6</a:t>
             </a:fld>
             <a:endParaRPr lang="zh-CN" altLang="en-US"/>
           </a:p>
@@ -1189,7 +1191,7 @@
           <a:p>
             <a:fld id="{760FBDFE-C587-4B4C-A407-44438C67B59E}" type="datetimeFigureOut">
               <a:rPr lang="zh-CN" altLang="en-US" smtClean="0"/>
-              <a:t>2022/7/23</a:t>
+              <a:t>2022/8/6</a:t>
             </a:fld>
             <a:endParaRPr lang="zh-CN" altLang="en-US"/>
           </a:p>
@@ -1439,7 +1441,7 @@
           <a:p>
             <a:fld id="{760FBDFE-C587-4B4C-A407-44438C67B59E}" type="datetimeFigureOut">
               <a:rPr lang="zh-CN" altLang="en-US" smtClean="0"/>
-              <a:t>2022/7/23</a:t>
+              <a:t>2022/8/6</a:t>
             </a:fld>
             <a:endParaRPr lang="zh-CN" altLang="en-US"/>
           </a:p>
@@ -1818,7 +1820,7 @@
           <a:p>
             <a:fld id="{760FBDFE-C587-4B4C-A407-44438C67B59E}" type="datetimeFigureOut">
               <a:rPr lang="zh-CN" altLang="en-US" smtClean="0"/>
-              <a:t>2022/7/23</a:t>
+              <a:t>2022/8/6</a:t>
             </a:fld>
             <a:endParaRPr lang="zh-CN" altLang="en-US"/>
           </a:p>
@@ -2177,7 +2179,7 @@
           <a:p>
             <a:fld id="{760FBDFE-C587-4B4C-A407-44438C67B59E}" type="datetimeFigureOut">
               <a:rPr lang="zh-CN" altLang="en-US" smtClean="0"/>
-              <a:t>2022/7/23</a:t>
+              <a:t>2022/8/6</a:t>
             </a:fld>
             <a:endParaRPr lang="zh-CN" altLang="en-US"/>
           </a:p>
@@ -2308,7 +2310,7 @@
           <a:p>
             <a:fld id="{760FBDFE-C587-4B4C-A407-44438C67B59E}" type="datetimeFigureOut">
               <a:rPr lang="zh-CN" altLang="en-US" smtClean="0"/>
-              <a:t>2022/7/23</a:t>
+              <a:t>2022/8/6</a:t>
             </a:fld>
             <a:endParaRPr lang="zh-CN" altLang="en-US"/>
           </a:p>
@@ -2398,7 +2400,7 @@
           <a:p>
             <a:fld id="{760FBDFE-C587-4B4C-A407-44438C67B59E}" type="datetimeFigureOut">
               <a:rPr lang="zh-CN" altLang="en-US" smtClean="0"/>
-              <a:t>2022/7/23</a:t>
+              <a:t>2022/8/6</a:t>
             </a:fld>
             <a:endParaRPr lang="zh-CN" altLang="en-US"/>
           </a:p>
@@ -2660,7 +2662,7 @@
           <a:p>
             <a:fld id="{9EFD9D74-47D9-4702-A33C-335B63B48DBF}" type="datetimeFigureOut">
               <a:rPr lang="zh-CN" altLang="en-US" smtClean="0"/>
-              <a:t>2022/7/23</a:t>
+              <a:t>2022/8/6</a:t>
             </a:fld>
             <a:endParaRPr lang="zh-CN" altLang="en-US" dirty="0"/>
           </a:p>
@@ -2869,7 +2871,7 @@
           <a:p>
             <a:fld id="{760FBDFE-C587-4B4C-A407-44438C67B59E}" type="datetimeFigureOut">
               <a:rPr lang="zh-CN" altLang="en-US" smtClean="0"/>
-              <a:t>2022/7/23</a:t>
+              <a:t>2022/8/6</a:t>
             </a:fld>
             <a:endParaRPr lang="zh-CN" altLang="en-US"/>
           </a:p>
@@ -3080,7 +3082,7 @@
           <a:p>
             <a:fld id="{760FBDFE-C587-4B4C-A407-44438C67B59E}" type="datetimeFigureOut">
               <a:rPr lang="zh-CN" altLang="en-US" smtClean="0"/>
-              <a:t>2022/7/23</a:t>
+              <a:t>2022/8/6</a:t>
             </a:fld>
             <a:endParaRPr lang="zh-CN" altLang="en-US"/>
           </a:p>
@@ -4048,6 +4050,723 @@
           <a:chExt cx="0" cy="0"/>
         </a:xfrm>
       </p:grpSpPr>
+      <p:sp>
+        <p:nvSpPr>
+          <p:cNvPr id="5" name="文本框 4">
+            <a:extLst>
+              <a:ext uri="{FF2B5EF4-FFF2-40B4-BE49-F238E27FC236}">
+                <a16:creationId xmlns:a16="http://schemas.microsoft.com/office/drawing/2014/main" id="{D78D8C86-23B8-E1C6-B877-AFF05C016D65}"/>
+              </a:ext>
+            </a:extLst>
+          </p:cNvPr>
+          <p:cNvSpPr txBox="1"/>
+          <p:nvPr/>
+        </p:nvSpPr>
+        <p:spPr>
+          <a:xfrm>
+            <a:off x="150418" y="91938"/>
+            <a:ext cx="6175170" cy="707886"/>
+          </a:xfrm>
+          <a:prstGeom prst="rect">
+            <a:avLst/>
+          </a:prstGeom>
+          <a:noFill/>
+        </p:spPr>
+        <p:txBody>
+          <a:bodyPr wrap="square" rtlCol="0">
+            <a:spAutoFit/>
+          </a:bodyPr>
+          <a:lstStyle/>
+          <a:p>
+            <a:r>
+              <a:rPr kumimoji="1" lang="zh-CN" altLang="en-US" sz="4000" dirty="0">
+                <a:latin typeface="Baoli SC" panose="02010600040101010101" pitchFamily="2" charset="-122"/>
+                <a:ea typeface="Baoli SC" panose="02010600040101010101" pitchFamily="2" charset="-122"/>
+              </a:rPr>
+              <a:t>问题：</a:t>
+            </a:r>
+          </a:p>
+        </p:txBody>
+      </p:sp>
+      <p:sp>
+        <p:nvSpPr>
+          <p:cNvPr id="3" name="矩形 2">
+            <a:extLst>
+              <a:ext uri="{FF2B5EF4-FFF2-40B4-BE49-F238E27FC236}">
+                <a16:creationId xmlns:a16="http://schemas.microsoft.com/office/drawing/2014/main" id="{35E7EFFE-B68F-E516-AB35-76CC8368CA19}"/>
+              </a:ext>
+            </a:extLst>
+          </p:cNvPr>
+          <p:cNvSpPr/>
+          <p:nvPr/>
+        </p:nvSpPr>
+        <p:spPr>
+          <a:xfrm>
+            <a:off x="259278" y="799824"/>
+            <a:ext cx="11673444" cy="5078313"/>
+          </a:xfrm>
+          <a:prstGeom prst="rect">
+            <a:avLst/>
+          </a:prstGeom>
+        </p:spPr>
+        <p:txBody>
+          <a:bodyPr wrap="square">
+            <a:spAutoFit/>
+          </a:bodyPr>
+          <a:lstStyle/>
+          <a:p>
+            <a:pPr marL="342900" indent="-342900">
+              <a:buFont typeface="+mj-lt"/>
+              <a:buAutoNum type="arabicPeriod" startAt="5"/>
+            </a:pPr>
+            <a:endParaRPr lang="zh-CN" altLang="en-US" dirty="0"/>
+          </a:p>
+          <a:p>
+            <a:pPr marL="342900" indent="-342900">
+              <a:buFont typeface="+mj-lt"/>
+              <a:buAutoNum type="arabicPeriod"/>
+            </a:pPr>
+            <a:r>
+              <a:rPr lang="en-US" altLang="zh-CN" dirty="0" err="1"/>
+              <a:t>kafka</a:t>
+            </a:r>
+            <a:r>
+              <a:rPr lang="zh-CN" altLang="en-US" dirty="0"/>
+              <a:t>为什么写这么快？</a:t>
+            </a:r>
+            <a:endParaRPr lang="en-US" altLang="zh-CN" dirty="0"/>
+          </a:p>
+          <a:p>
+            <a:pPr marL="800100" lvl="1" indent="-342900">
+              <a:buFont typeface="+mj-lt"/>
+              <a:buAutoNum type="arabicPeriod"/>
+            </a:pPr>
+            <a:r>
+              <a:rPr lang="en" altLang="zh-CN" dirty="0"/>
+              <a:t>partition</a:t>
+            </a:r>
+            <a:r>
+              <a:rPr lang="zh-CN" altLang="en-US" dirty="0"/>
+              <a:t>并行处理</a:t>
+            </a:r>
+            <a:endParaRPr lang="en-US" altLang="zh-CN" dirty="0"/>
+          </a:p>
+          <a:p>
+            <a:pPr marL="800100" lvl="1" indent="-342900">
+              <a:buFont typeface="+mj-lt"/>
+              <a:buAutoNum type="arabicPeriod"/>
+            </a:pPr>
+            <a:r>
+              <a:rPr lang="zh-CN" altLang="en-US" dirty="0"/>
+              <a:t>顺序写磁盘，充分利用磁盘特性</a:t>
+            </a:r>
+            <a:endParaRPr lang="en-US" altLang="zh-CN" dirty="0"/>
+          </a:p>
+          <a:p>
+            <a:pPr marL="800100" lvl="1" indent="-342900">
+              <a:buFont typeface="+mj-lt"/>
+              <a:buAutoNum type="arabicPeriod"/>
+            </a:pPr>
+            <a:r>
+              <a:rPr lang="zh-CN" altLang="en-US" dirty="0"/>
+              <a:t>利用了现代操作系统分页存储</a:t>
+            </a:r>
+            <a:r>
+              <a:rPr lang="en" altLang="zh-CN" dirty="0"/>
+              <a:t>Page Cache</a:t>
+            </a:r>
+            <a:r>
+              <a:rPr lang="zh-CN" altLang="en-US" dirty="0"/>
+              <a:t>来利用内存提高 </a:t>
+            </a:r>
+            <a:r>
+              <a:rPr lang="en" altLang="zh-CN" dirty="0"/>
+              <a:t>I/O </a:t>
+            </a:r>
+            <a:r>
+              <a:rPr lang="zh-CN" altLang="en-US" dirty="0"/>
+              <a:t>效率</a:t>
+            </a:r>
+            <a:endParaRPr lang="en-US" altLang="zh-CN" dirty="0"/>
+          </a:p>
+          <a:p>
+            <a:pPr marL="800100" lvl="1" indent="-342900">
+              <a:buFont typeface="+mj-lt"/>
+              <a:buAutoNum type="arabicPeriod"/>
+            </a:pPr>
+            <a:r>
+              <a:rPr lang="en" altLang="zh-CN" dirty="0"/>
+              <a:t>Producer</a:t>
+            </a:r>
+            <a:r>
+              <a:rPr lang="zh-CN" altLang="en-US" dirty="0"/>
+              <a:t>生产的数据持久化到</a:t>
+            </a:r>
+            <a:r>
+              <a:rPr lang="en" altLang="zh-CN" dirty="0"/>
+              <a:t>broker</a:t>
+            </a:r>
+            <a:r>
+              <a:rPr lang="zh-CN" altLang="en" dirty="0"/>
+              <a:t>，</a:t>
+            </a:r>
+            <a:r>
+              <a:rPr lang="zh-CN" altLang="en-US" dirty="0"/>
+              <a:t>采用</a:t>
+            </a:r>
+            <a:r>
+              <a:rPr lang="en" altLang="zh-CN" dirty="0" err="1"/>
+              <a:t>mmap</a:t>
+            </a:r>
+            <a:r>
+              <a:rPr lang="zh-CN" altLang="en-US" dirty="0"/>
+              <a:t>文件映射，实现顺序的快速</a:t>
+            </a:r>
+            <a:r>
+              <a:rPr lang="zh-CN" altLang="en-US"/>
+              <a:t>写入 </a:t>
+            </a:r>
+            <a:endParaRPr lang="en-US" altLang="zh-CN" dirty="0"/>
+          </a:p>
+          <a:p>
+            <a:pPr marL="342900" indent="-342900">
+              <a:buFont typeface="+mj-lt"/>
+              <a:buAutoNum type="arabicPeriod"/>
+            </a:pPr>
+            <a:r>
+              <a:rPr lang="en-US" altLang="zh-CN" dirty="0" err="1"/>
+              <a:t>kafka</a:t>
+            </a:r>
+            <a:r>
+              <a:rPr lang="zh-CN" altLang="en-US" dirty="0"/>
+              <a:t>为什么读这么快</a:t>
+            </a:r>
+            <a:endParaRPr lang="en-US" altLang="zh-CN" dirty="0"/>
+          </a:p>
+          <a:p>
+            <a:pPr marL="800100" lvl="1" indent="-342900">
+              <a:buFont typeface="+mj-lt"/>
+              <a:buAutoNum type="arabicPeriod"/>
+            </a:pPr>
+            <a:r>
+              <a:rPr lang="zh-CN" altLang="en-US" dirty="0"/>
+              <a:t>采用了零拷贝技术</a:t>
+            </a:r>
+            <a:endParaRPr lang="en-US" altLang="zh-CN" dirty="0"/>
+          </a:p>
+          <a:p>
+            <a:pPr marL="800100" lvl="1" indent="-342900">
+              <a:buFont typeface="+mj-lt"/>
+              <a:buAutoNum type="arabicPeriod"/>
+            </a:pPr>
+            <a:r>
+              <a:rPr lang="en" altLang="zh-CN" dirty="0"/>
+              <a:t>Consumer</a:t>
+            </a:r>
+            <a:r>
+              <a:rPr lang="zh-CN" altLang="en-US" dirty="0"/>
+              <a:t>从</a:t>
+            </a:r>
+            <a:r>
+              <a:rPr lang="en" altLang="zh-CN" dirty="0"/>
+              <a:t>broker</a:t>
+            </a:r>
+            <a:r>
+              <a:rPr lang="zh-CN" altLang="en-US" dirty="0"/>
+              <a:t>读取数据，采用</a:t>
+            </a:r>
+            <a:r>
+              <a:rPr lang="en" altLang="zh-CN" dirty="0" err="1"/>
+              <a:t>sendfile</a:t>
+            </a:r>
+            <a:r>
+              <a:rPr lang="zh-CN" altLang="en" dirty="0"/>
+              <a:t>，</a:t>
+            </a:r>
+            <a:r>
+              <a:rPr lang="zh-CN" altLang="en-US" dirty="0"/>
+              <a:t>将磁盘文件读到</a:t>
+            </a:r>
+            <a:r>
+              <a:rPr lang="en" altLang="zh-CN" dirty="0"/>
+              <a:t>OS</a:t>
+            </a:r>
+            <a:r>
+              <a:rPr lang="zh-CN" altLang="en-US" dirty="0"/>
+              <a:t>内核缓冲区后，转到</a:t>
+            </a:r>
+            <a:r>
+              <a:rPr lang="en" altLang="zh-CN" dirty="0"/>
+              <a:t>NIO buffer</a:t>
+            </a:r>
+            <a:r>
+              <a:rPr lang="zh-CN" altLang="en-US" dirty="0"/>
+              <a:t>进行网络发送，减少</a:t>
+            </a:r>
+            <a:r>
+              <a:rPr lang="en" altLang="zh-CN" dirty="0"/>
+              <a:t>CPU</a:t>
+            </a:r>
+            <a:r>
+              <a:rPr lang="zh-CN" altLang="en-US" dirty="0"/>
+              <a:t>消耗</a:t>
+            </a:r>
+          </a:p>
+          <a:p>
+            <a:br>
+              <a:rPr lang="en" altLang="zh-CN" dirty="0"/>
+            </a:br>
+            <a:br>
+              <a:rPr lang="zh-CN" altLang="en-US" dirty="0"/>
+            </a:br>
+            <a:endParaRPr lang="zh-CN" altLang="en-US" dirty="0"/>
+          </a:p>
+          <a:p>
+            <a:pPr marL="342900" indent="-342900">
+              <a:buFont typeface="+mj-lt"/>
+              <a:buAutoNum type="arabicPeriod" startAt="5"/>
+            </a:pPr>
+            <a:endParaRPr lang="zh-CN" altLang="en-US" dirty="0"/>
+          </a:p>
+          <a:p>
+            <a:pPr marL="342900" indent="-342900">
+              <a:buFont typeface="+mj-lt"/>
+              <a:buAutoNum type="arabicPeriod" startAt="5"/>
+            </a:pPr>
+            <a:endParaRPr lang="en-US" altLang="zh-CN" dirty="0"/>
+          </a:p>
+          <a:p>
+            <a:pPr marL="342900" indent="-342900">
+              <a:buAutoNum type="arabicPeriod" startAt="2"/>
+            </a:pPr>
+            <a:endParaRPr lang="en-US" altLang="zh-CN" dirty="0"/>
+          </a:p>
+          <a:p>
+            <a:pPr marL="342900" indent="-342900">
+              <a:buAutoNum type="arabicPeriod" startAt="2"/>
+            </a:pPr>
+            <a:endParaRPr lang="en-US" altLang="zh-CN" dirty="0"/>
+          </a:p>
+          <a:p>
+            <a:pPr marL="342900" indent="-342900">
+              <a:buAutoNum type="arabicPeriod" startAt="2"/>
+            </a:pPr>
+            <a:endParaRPr lang="en-US" altLang="zh-CN" dirty="0"/>
+          </a:p>
+        </p:txBody>
+      </p:sp>
+      <p:sp>
+        <p:nvSpPr>
+          <p:cNvPr id="2" name="矩形 1">
+            <a:extLst>
+              <a:ext uri="{FF2B5EF4-FFF2-40B4-BE49-F238E27FC236}">
+                <a16:creationId xmlns:a16="http://schemas.microsoft.com/office/drawing/2014/main" id="{E879D42A-937F-6E8E-668A-B275D7A2A97D}"/>
+              </a:ext>
+            </a:extLst>
+          </p:cNvPr>
+          <p:cNvSpPr/>
+          <p:nvPr/>
+        </p:nvSpPr>
+        <p:spPr>
+          <a:xfrm>
+            <a:off x="459178" y="1035938"/>
+            <a:ext cx="11732821" cy="1477328"/>
+          </a:xfrm>
+          <a:prstGeom prst="rect">
+            <a:avLst/>
+          </a:prstGeom>
+        </p:spPr>
+        <p:txBody>
+          <a:bodyPr wrap="square">
+            <a:spAutoFit/>
+          </a:bodyPr>
+          <a:lstStyle/>
+          <a:p>
+            <a:br>
+              <a:rPr lang="zh-CN" altLang="en-US" dirty="0"/>
+            </a:br>
+            <a:endParaRPr lang="zh-CN" altLang="en-US" dirty="0"/>
+          </a:p>
+          <a:p>
+            <a:br>
+              <a:rPr lang="zh-CN" altLang="en-US" dirty="0"/>
+            </a:br>
+            <a:br>
+              <a:rPr lang="zh-CN" altLang="en-US" dirty="0"/>
+            </a:br>
+            <a:endParaRPr lang="zh-CN" altLang="en-US" dirty="0"/>
+          </a:p>
+        </p:txBody>
+      </p:sp>
+    </p:spTree>
+    <p:extLst>
+      <p:ext uri="{BB962C8B-B14F-4D97-AF65-F5344CB8AC3E}">
+        <p14:creationId xmlns:p14="http://schemas.microsoft.com/office/powerpoint/2010/main" val="3192083737"/>
+      </p:ext>
+    </p:extLst>
+  </p:cSld>
+  <p:clrMapOvr>
+    <a:masterClrMapping/>
+  </p:clrMapOvr>
+</p:sld>
+</file>
+
+<file path=ppt/slides/slide12.xml><?xml version="1.0" encoding="utf-8"?>
+<p:sld xmlns:a="http://schemas.openxmlformats.org/drawingml/2006/main" xmlns:r="http://schemas.openxmlformats.org/officeDocument/2006/relationships" xmlns:p="http://schemas.openxmlformats.org/presentationml/2006/main">
+  <p:cSld>
+    <p:spTree>
+      <p:nvGrpSpPr>
+        <p:cNvPr id="1" name=""/>
+        <p:cNvGrpSpPr/>
+        <p:nvPr/>
+      </p:nvGrpSpPr>
+      <p:grpSpPr>
+        <a:xfrm>
+          <a:off x="0" y="0"/>
+          <a:ext cx="0" cy="0"/>
+          <a:chOff x="0" y="0"/>
+          <a:chExt cx="0" cy="0"/>
+        </a:xfrm>
+      </p:grpSpPr>
+      <p:sp>
+        <p:nvSpPr>
+          <p:cNvPr id="5" name="文本框 4">
+            <a:extLst>
+              <a:ext uri="{FF2B5EF4-FFF2-40B4-BE49-F238E27FC236}">
+                <a16:creationId xmlns:a16="http://schemas.microsoft.com/office/drawing/2014/main" id="{D78D8C86-23B8-E1C6-B877-AFF05C016D65}"/>
+              </a:ext>
+            </a:extLst>
+          </p:cNvPr>
+          <p:cNvSpPr txBox="1"/>
+          <p:nvPr/>
+        </p:nvSpPr>
+        <p:spPr>
+          <a:xfrm>
+            <a:off x="150418" y="91938"/>
+            <a:ext cx="6175170" cy="707886"/>
+          </a:xfrm>
+          <a:prstGeom prst="rect">
+            <a:avLst/>
+          </a:prstGeom>
+          <a:noFill/>
+        </p:spPr>
+        <p:txBody>
+          <a:bodyPr wrap="square" rtlCol="0">
+            <a:spAutoFit/>
+          </a:bodyPr>
+          <a:lstStyle/>
+          <a:p>
+            <a:r>
+              <a:rPr kumimoji="1" lang="zh-CN" altLang="en-US" sz="4000" dirty="0">
+                <a:latin typeface="Baoli SC" panose="02010600040101010101" pitchFamily="2" charset="-122"/>
+                <a:ea typeface="Baoli SC" panose="02010600040101010101" pitchFamily="2" charset="-122"/>
+              </a:rPr>
+              <a:t>问题：</a:t>
+            </a:r>
+          </a:p>
+        </p:txBody>
+      </p:sp>
+      <p:sp>
+        <p:nvSpPr>
+          <p:cNvPr id="3" name="矩形 2">
+            <a:extLst>
+              <a:ext uri="{FF2B5EF4-FFF2-40B4-BE49-F238E27FC236}">
+                <a16:creationId xmlns:a16="http://schemas.microsoft.com/office/drawing/2014/main" id="{35E7EFFE-B68F-E516-AB35-76CC8368CA19}"/>
+              </a:ext>
+            </a:extLst>
+          </p:cNvPr>
+          <p:cNvSpPr/>
+          <p:nvPr/>
+        </p:nvSpPr>
+        <p:spPr>
+          <a:xfrm>
+            <a:off x="259278" y="799824"/>
+            <a:ext cx="11673444" cy="4524315"/>
+          </a:xfrm>
+          <a:prstGeom prst="rect">
+            <a:avLst/>
+          </a:prstGeom>
+        </p:spPr>
+        <p:txBody>
+          <a:bodyPr wrap="square">
+            <a:spAutoFit/>
+          </a:bodyPr>
+          <a:lstStyle/>
+          <a:p>
+            <a:pPr marL="342900" indent="-342900">
+              <a:buFont typeface="+mj-lt"/>
+              <a:buAutoNum type="arabicPeriod" startAt="5"/>
+            </a:pPr>
+            <a:endParaRPr lang="zh-CN" altLang="en-US" dirty="0"/>
+          </a:p>
+          <a:p>
+            <a:pPr marL="342900" indent="-342900">
+              <a:buAutoNum type="arabicPeriod"/>
+            </a:pPr>
+            <a:r>
+              <a:rPr lang="en-US" altLang="zh-CN" dirty="0"/>
+              <a:t>Kafka</a:t>
+            </a:r>
+            <a:r>
+              <a:rPr lang="zh-CN" altLang="en-US" dirty="0"/>
+              <a:t>如何保证消息消费的顺序</a:t>
+            </a:r>
+            <a:endParaRPr lang="en-US" altLang="zh-CN" dirty="0"/>
+          </a:p>
+          <a:p>
+            <a:r>
+              <a:rPr lang="en-US" altLang="zh-CN" dirty="0"/>
+              <a:t>	</a:t>
+            </a:r>
+            <a:r>
+              <a:rPr lang="zh-CN" altLang="en-US" dirty="0"/>
+              <a:t>比如说我们建了一个 </a:t>
+            </a:r>
+            <a:r>
+              <a:rPr lang="en-US" altLang="zh-CN" dirty="0"/>
+              <a:t>topic</a:t>
+            </a:r>
+            <a:r>
+              <a:rPr lang="zh-CN" altLang="en-US" dirty="0"/>
+              <a:t>，有三个 </a:t>
+            </a:r>
+            <a:r>
+              <a:rPr lang="en-US" altLang="zh-CN" dirty="0"/>
+              <a:t>partition</a:t>
+            </a:r>
+            <a:r>
+              <a:rPr lang="zh-CN" altLang="en-US" dirty="0"/>
+              <a:t>。生产者在写的时候，其实可以指定一个 </a:t>
+            </a:r>
+            <a:r>
+              <a:rPr lang="en-US" altLang="zh-CN" dirty="0"/>
+              <a:t>key</a:t>
+            </a:r>
+            <a:r>
+              <a:rPr lang="zh-CN" altLang="en-US" dirty="0"/>
+              <a:t>，比如说我们指</a:t>
+            </a:r>
+            <a:r>
+              <a:rPr lang="en-US" altLang="zh-CN" dirty="0"/>
+              <a:t>	</a:t>
+            </a:r>
+            <a:r>
+              <a:rPr lang="zh-CN" altLang="en-US" dirty="0"/>
+              <a:t>定了某个订单 </a:t>
+            </a:r>
+            <a:r>
+              <a:rPr lang="en-US" altLang="zh-CN" dirty="0"/>
+              <a:t>id </a:t>
+            </a:r>
+            <a:r>
+              <a:rPr lang="zh-CN" altLang="en-US" dirty="0"/>
+              <a:t>作为 </a:t>
+            </a:r>
+            <a:r>
+              <a:rPr lang="en-US" altLang="zh-CN" dirty="0"/>
+              <a:t>key</a:t>
+            </a:r>
+            <a:r>
+              <a:rPr lang="zh-CN" altLang="en-US" dirty="0"/>
+              <a:t>，那么这个订单相关的数据，一定会被分发到同一个 </a:t>
+            </a:r>
+            <a:r>
+              <a:rPr lang="en-US" altLang="zh-CN" dirty="0"/>
+              <a:t>partition </a:t>
+            </a:r>
+            <a:r>
+              <a:rPr lang="zh-CN" altLang="en-US" dirty="0"/>
+              <a:t>中去，而且这个 </a:t>
+            </a:r>
+            <a:r>
+              <a:rPr lang="en-US" altLang="zh-CN" dirty="0"/>
+              <a:t>	partition </a:t>
+            </a:r>
+            <a:r>
+              <a:rPr lang="zh-CN" altLang="en-US" dirty="0"/>
+              <a:t>中的数据一定是有顺序的。</a:t>
+            </a:r>
+          </a:p>
+          <a:p>
+            <a:r>
+              <a:rPr lang="en-US" altLang="zh-CN" dirty="0"/>
+              <a:t>	</a:t>
+            </a:r>
+            <a:r>
+              <a:rPr lang="zh-CN" altLang="en-US" dirty="0"/>
+              <a:t>消费者从 </a:t>
+            </a:r>
+            <a:r>
+              <a:rPr lang="en-US" altLang="zh-CN" dirty="0"/>
+              <a:t>partition </a:t>
+            </a:r>
+            <a:r>
+              <a:rPr lang="zh-CN" altLang="en-US" dirty="0"/>
+              <a:t>中取出来数据的时候，也一定是有顺序的。到这里，顺序还是 </a:t>
+            </a:r>
+            <a:r>
+              <a:rPr lang="en-US" altLang="zh-CN" dirty="0"/>
+              <a:t>ok </a:t>
+            </a:r>
+            <a:r>
+              <a:rPr lang="zh-CN" altLang="en-US" dirty="0"/>
+              <a:t>的，没有错乱。接着，</a:t>
+            </a:r>
+            <a:r>
+              <a:rPr lang="en-US" altLang="zh-CN" dirty="0"/>
+              <a:t>	</a:t>
+            </a:r>
+            <a:r>
+              <a:rPr lang="zh-CN" altLang="en-US" dirty="0"/>
+              <a:t>我们在消费者里可能会搞多个线程来并发处理消息。因为如果消费者是单线程消费处理，而处理比较耗时</a:t>
+            </a:r>
+            <a:r>
+              <a:rPr lang="en-US" altLang="zh-CN" dirty="0"/>
+              <a:t>	</a:t>
+            </a:r>
+            <a:r>
+              <a:rPr lang="zh-CN" altLang="en-US" dirty="0"/>
+              <a:t>的话，比如处理一条消息耗时几十 </a:t>
+            </a:r>
+            <a:r>
+              <a:rPr lang="en-US" altLang="zh-CN" dirty="0" err="1"/>
+              <a:t>ms</a:t>
+            </a:r>
+            <a:r>
+              <a:rPr lang="zh-CN" altLang="en-US" dirty="0"/>
+              <a:t>，那么 </a:t>
+            </a:r>
+            <a:r>
+              <a:rPr lang="en-US" altLang="zh-CN" dirty="0"/>
+              <a:t>1 </a:t>
+            </a:r>
+            <a:r>
+              <a:rPr lang="zh-CN" altLang="en-US" dirty="0"/>
+              <a:t>秒钟只能处理几十条消息，这吞吐量太低了。而多个线程</a:t>
+            </a:r>
+            <a:r>
+              <a:rPr lang="en-US" altLang="zh-CN" dirty="0"/>
+              <a:t>	</a:t>
+            </a:r>
+            <a:r>
+              <a:rPr lang="zh-CN" altLang="en-US" dirty="0"/>
+              <a:t>并发跑的话，顺序可能就乱掉了。</a:t>
+            </a:r>
+            <a:br>
+              <a:rPr lang="en" altLang="zh-CN" dirty="0"/>
+            </a:br>
+            <a:br>
+              <a:rPr lang="zh-CN" altLang="en-US" dirty="0"/>
+            </a:br>
+            <a:endParaRPr lang="zh-CN" altLang="en-US" dirty="0"/>
+          </a:p>
+          <a:p>
+            <a:pPr marL="342900" indent="-342900">
+              <a:buFont typeface="+mj-lt"/>
+              <a:buAutoNum type="arabicPeriod" startAt="5"/>
+            </a:pPr>
+            <a:endParaRPr lang="zh-CN" altLang="en-US" dirty="0"/>
+          </a:p>
+          <a:p>
+            <a:pPr marL="342900" indent="-342900">
+              <a:buFont typeface="+mj-lt"/>
+              <a:buAutoNum type="arabicPeriod" startAt="5"/>
+            </a:pPr>
+            <a:endParaRPr lang="en-US" altLang="zh-CN" dirty="0"/>
+          </a:p>
+          <a:p>
+            <a:pPr marL="342900" indent="-342900">
+              <a:buAutoNum type="arabicPeriod" startAt="2"/>
+            </a:pPr>
+            <a:endParaRPr lang="en-US" altLang="zh-CN" dirty="0"/>
+          </a:p>
+          <a:p>
+            <a:pPr marL="342900" indent="-342900">
+              <a:buAutoNum type="arabicPeriod" startAt="2"/>
+            </a:pPr>
+            <a:endParaRPr lang="en-US" altLang="zh-CN" dirty="0"/>
+          </a:p>
+          <a:p>
+            <a:pPr marL="342900" indent="-342900">
+              <a:buAutoNum type="arabicPeriod" startAt="2"/>
+            </a:pPr>
+            <a:endParaRPr lang="en-US" altLang="zh-CN" dirty="0"/>
+          </a:p>
+        </p:txBody>
+      </p:sp>
+      <p:sp>
+        <p:nvSpPr>
+          <p:cNvPr id="2" name="矩形 1">
+            <a:extLst>
+              <a:ext uri="{FF2B5EF4-FFF2-40B4-BE49-F238E27FC236}">
+                <a16:creationId xmlns:a16="http://schemas.microsoft.com/office/drawing/2014/main" id="{E879D42A-937F-6E8E-668A-B275D7A2A97D}"/>
+              </a:ext>
+            </a:extLst>
+          </p:cNvPr>
+          <p:cNvSpPr/>
+          <p:nvPr/>
+        </p:nvSpPr>
+        <p:spPr>
+          <a:xfrm>
+            <a:off x="459178" y="1035938"/>
+            <a:ext cx="11732821" cy="1477328"/>
+          </a:xfrm>
+          <a:prstGeom prst="rect">
+            <a:avLst/>
+          </a:prstGeom>
+        </p:spPr>
+        <p:txBody>
+          <a:bodyPr wrap="square">
+            <a:spAutoFit/>
+          </a:bodyPr>
+          <a:lstStyle/>
+          <a:p>
+            <a:br>
+              <a:rPr lang="zh-CN" altLang="en-US" dirty="0"/>
+            </a:br>
+            <a:endParaRPr lang="zh-CN" altLang="en-US" dirty="0"/>
+          </a:p>
+          <a:p>
+            <a:br>
+              <a:rPr lang="zh-CN" altLang="en-US" dirty="0"/>
+            </a:br>
+            <a:br>
+              <a:rPr lang="zh-CN" altLang="en-US" dirty="0"/>
+            </a:br>
+            <a:endParaRPr lang="zh-CN" altLang="en-US" dirty="0"/>
+          </a:p>
+        </p:txBody>
+      </p:sp>
+    </p:spTree>
+    <p:extLst>
+      <p:ext uri="{BB962C8B-B14F-4D97-AF65-F5344CB8AC3E}">
+        <p14:creationId xmlns:p14="http://schemas.microsoft.com/office/powerpoint/2010/main" val="2063452088"/>
+      </p:ext>
+    </p:extLst>
+  </p:cSld>
+  <p:clrMapOvr>
+    <a:masterClrMapping/>
+  </p:clrMapOvr>
+</p:sld>
+</file>
+
+<file path=ppt/slides/slide13.xml><?xml version="1.0" encoding="utf-8"?>
+<p:sld xmlns:a="http://schemas.openxmlformats.org/drawingml/2006/main" xmlns:r="http://schemas.openxmlformats.org/officeDocument/2006/relationships" xmlns:p="http://schemas.openxmlformats.org/presentationml/2006/main">
+  <p:cSld>
+    <p:spTree>
+      <p:nvGrpSpPr>
+        <p:cNvPr id="1" name=""/>
+        <p:cNvGrpSpPr/>
+        <p:nvPr/>
+      </p:nvGrpSpPr>
+      <p:grpSpPr>
+        <a:xfrm>
+          <a:off x="0" y="0"/>
+          <a:ext cx="0" cy="0"/>
+          <a:chOff x="0" y="0"/>
+          <a:chExt cx="0" cy="0"/>
+        </a:xfrm>
+      </p:grpSpPr>
       <p:pic>
         <p:nvPicPr>
           <p:cNvPr id="1028" name="Picture 4" descr="Go-Micro基础架构">
@@ -4151,7 +4870,7 @@
 </p:sld>
 </file>
 
-<file path=ppt/slides/slide12.xml><?xml version="1.0" encoding="utf-8"?>
+<file path=ppt/slides/slide14.xml><?xml version="1.0" encoding="utf-8"?>
 <p:sld xmlns:a="http://schemas.openxmlformats.org/drawingml/2006/main" xmlns:r="http://schemas.openxmlformats.org/officeDocument/2006/relationships" xmlns:p="http://schemas.openxmlformats.org/presentationml/2006/main">
   <p:cSld>
     <p:spTree>
@@ -4327,7 +5046,7 @@
         <p:spPr>
           <a:xfrm>
             <a:off x="802640" y="1202426"/>
-            <a:ext cx="10887710" cy="3693319"/>
+            <a:ext cx="10887710" cy="3724096"/>
           </a:xfrm>
           <a:prstGeom prst="rect">
             <a:avLst/>
@@ -4405,6 +5124,29 @@
             </a:r>
           </a:p>
           <a:p>
+            <a:pPr marL="742950" lvl="1" indent="-285750">
+              <a:buFont typeface="Arial" panose="020B0604020202020204" pitchFamily="34" charset="0"/>
+              <a:buChar char="•"/>
+            </a:pPr>
+            <a:r>
+              <a:rPr lang="en" altLang="zh-CN" sz="2000" dirty="0"/>
+              <a:t>https://</a:t>
+            </a:r>
+            <a:r>
+              <a:rPr lang="en" altLang="zh-CN" sz="2000" dirty="0" err="1"/>
+              <a:t>gitbook.cn</a:t>
+            </a:r>
+            <a:r>
+              <a:rPr lang="en" altLang="zh-CN" sz="2000" dirty="0"/>
+              <a:t>/books/5ae1e77197c22f130e67ec4e/</a:t>
+            </a:r>
+            <a:r>
+              <a:rPr lang="en" altLang="zh-CN" sz="2000" dirty="0" err="1"/>
+              <a:t>index.html</a:t>
+            </a:r>
+            <a:endParaRPr lang="en-US" altLang="zh-CN" sz="2000" dirty="0"/>
+          </a:p>
+          <a:p>
             <a:pPr marL="285750" indent="-285750">
               <a:buFont typeface="Arial" panose="020B0604020202020204" pitchFamily="34" charset="0"/>
               <a:buChar char="•"/>
@@ -4431,13 +5173,6 @@
               <a:buChar char="•"/>
             </a:pPr>
             <a:endParaRPr lang="zh-CN" altLang="en-US" sz="2000" dirty="0"/>
-          </a:p>
-          <a:p>
-            <a:pPr marL="742950" lvl="1" indent="-285750">
-              <a:buFont typeface="Arial" panose="020B0604020202020204" pitchFamily="34" charset="0"/>
-              <a:buChar char="•"/>
-            </a:pPr>
-            <a:endParaRPr lang="zh-CN" altLang="en-US" dirty="0"/>
           </a:p>
           <a:p>
             <a:pPr marL="742950" lvl="1" indent="-285750">
@@ -6935,7 +7670,15 @@
             </a:r>
             <a:r>
               <a:rPr lang="zh-CN" altLang="en-US" dirty="0"/>
-              <a:t>字节记录一条</a:t>
+              <a:t>字节</a:t>
+            </a:r>
+            <a:r>
+              <a:rPr lang="en-US" altLang="zh-CN" dirty="0"/>
+              <a:t>(4KB)</a:t>
+            </a:r>
+            <a:r>
+              <a:rPr lang="zh-CN" altLang="en-US" dirty="0"/>
+              <a:t>记录一条</a:t>
             </a:r>
             <a:r>
               <a:rPr lang="en" altLang="zh-CN" dirty="0"/>

--- a/go-micro和kafka.pptx
+++ b/go-micro和kafka.pptx
@@ -224,7 +224,7 @@
           <a:p>
             <a:fld id="{0F9B84EA-7D68-4D60-9CB1-D50884785D1C}" type="datetimeFigureOut">
               <a:rPr lang="zh-CN" altLang="en-US" smtClean="0"/>
-              <a:t>2022/8/6</a:t>
+              <a:t>2022/8/15</a:t>
             </a:fld>
             <a:endParaRPr lang="zh-CN" altLang="en-US"/>
           </a:p>
@@ -389,7 +389,7 @@
           <a:p>
             <a:fld id="{D6C8D182-E4C8-4120-9249-FC9774456FFA}" type="datetimeFigureOut">
               <a:rPr lang="zh-CN" altLang="en-US" smtClean="0"/>
-              <a:t>2022/8/6</a:t>
+              <a:t>2022/8/15</a:t>
             </a:fld>
             <a:endParaRPr lang="zh-CN" altLang="en-US"/>
           </a:p>
@@ -729,7 +729,7 @@
           <a:p>
             <a:fld id="{760FBDFE-C587-4B4C-A407-44438C67B59E}" type="datetimeFigureOut">
               <a:rPr lang="zh-CN" altLang="en-US" smtClean="0"/>
-              <a:t>2022/8/6</a:t>
+              <a:t>2022/8/15</a:t>
             </a:fld>
             <a:endParaRPr lang="zh-CN" altLang="en-US"/>
           </a:p>
@@ -895,7 +895,7 @@
           <a:p>
             <a:fld id="{760FBDFE-C587-4B4C-A407-44438C67B59E}" type="datetimeFigureOut">
               <a:rPr lang="zh-CN" altLang="en-US" smtClean="0"/>
-              <a:t>2022/8/6</a:t>
+              <a:t>2022/8/15</a:t>
             </a:fld>
             <a:endParaRPr lang="zh-CN" altLang="en-US"/>
           </a:p>
@@ -1191,7 +1191,7 @@
           <a:p>
             <a:fld id="{760FBDFE-C587-4B4C-A407-44438C67B59E}" type="datetimeFigureOut">
               <a:rPr lang="zh-CN" altLang="en-US" smtClean="0"/>
-              <a:t>2022/8/6</a:t>
+              <a:t>2022/8/15</a:t>
             </a:fld>
             <a:endParaRPr lang="zh-CN" altLang="en-US"/>
           </a:p>
@@ -1441,7 +1441,7 @@
           <a:p>
             <a:fld id="{760FBDFE-C587-4B4C-A407-44438C67B59E}" type="datetimeFigureOut">
               <a:rPr lang="zh-CN" altLang="en-US" smtClean="0"/>
-              <a:t>2022/8/6</a:t>
+              <a:t>2022/8/15</a:t>
             </a:fld>
             <a:endParaRPr lang="zh-CN" altLang="en-US"/>
           </a:p>
@@ -1820,7 +1820,7 @@
           <a:p>
             <a:fld id="{760FBDFE-C587-4B4C-A407-44438C67B59E}" type="datetimeFigureOut">
               <a:rPr lang="zh-CN" altLang="en-US" smtClean="0"/>
-              <a:t>2022/8/6</a:t>
+              <a:t>2022/8/15</a:t>
             </a:fld>
             <a:endParaRPr lang="zh-CN" altLang="en-US"/>
           </a:p>
@@ -2179,7 +2179,7 @@
           <a:p>
             <a:fld id="{760FBDFE-C587-4B4C-A407-44438C67B59E}" type="datetimeFigureOut">
               <a:rPr lang="zh-CN" altLang="en-US" smtClean="0"/>
-              <a:t>2022/8/6</a:t>
+              <a:t>2022/8/15</a:t>
             </a:fld>
             <a:endParaRPr lang="zh-CN" altLang="en-US"/>
           </a:p>
@@ -2310,7 +2310,7 @@
           <a:p>
             <a:fld id="{760FBDFE-C587-4B4C-A407-44438C67B59E}" type="datetimeFigureOut">
               <a:rPr lang="zh-CN" altLang="en-US" smtClean="0"/>
-              <a:t>2022/8/6</a:t>
+              <a:t>2022/8/15</a:t>
             </a:fld>
             <a:endParaRPr lang="zh-CN" altLang="en-US"/>
           </a:p>
@@ -2400,7 +2400,7 @@
           <a:p>
             <a:fld id="{760FBDFE-C587-4B4C-A407-44438C67B59E}" type="datetimeFigureOut">
               <a:rPr lang="zh-CN" altLang="en-US" smtClean="0"/>
-              <a:t>2022/8/6</a:t>
+              <a:t>2022/8/15</a:t>
             </a:fld>
             <a:endParaRPr lang="zh-CN" altLang="en-US"/>
           </a:p>
@@ -2662,7 +2662,7 @@
           <a:p>
             <a:fld id="{9EFD9D74-47D9-4702-A33C-335B63B48DBF}" type="datetimeFigureOut">
               <a:rPr lang="zh-CN" altLang="en-US" smtClean="0"/>
-              <a:t>2022/8/6</a:t>
+              <a:t>2022/8/15</a:t>
             </a:fld>
             <a:endParaRPr lang="zh-CN" altLang="en-US" dirty="0"/>
           </a:p>
@@ -2871,7 +2871,7 @@
           <a:p>
             <a:fld id="{760FBDFE-C587-4B4C-A407-44438C67B59E}" type="datetimeFigureOut">
               <a:rPr lang="zh-CN" altLang="en-US" smtClean="0"/>
-              <a:t>2022/8/6</a:t>
+              <a:t>2022/8/15</a:t>
             </a:fld>
             <a:endParaRPr lang="zh-CN" altLang="en-US"/>
           </a:p>
@@ -3082,7 +3082,7 @@
           <a:p>
             <a:fld id="{760FBDFE-C587-4B4C-A407-44438C67B59E}" type="datetimeFigureOut">
               <a:rPr lang="zh-CN" altLang="en-US" smtClean="0"/>
-              <a:t>2022/8/6</a:t>
+              <a:t>2022/8/15</a:t>
             </a:fld>
             <a:endParaRPr lang="zh-CN" altLang="en-US"/>
           </a:p>

--- a/go-micro和kafka.pptx
+++ b/go-micro和kafka.pptx
@@ -224,7 +224,7 @@
           <a:p>
             <a:fld id="{0F9B84EA-7D68-4D60-9CB1-D50884785D1C}" type="datetimeFigureOut">
               <a:rPr lang="zh-CN" altLang="en-US" smtClean="0"/>
-              <a:t>2022/8/15</a:t>
+              <a:t>2022/9/4</a:t>
             </a:fld>
             <a:endParaRPr lang="zh-CN" altLang="en-US"/>
           </a:p>
@@ -389,7 +389,7 @@
           <a:p>
             <a:fld id="{D6C8D182-E4C8-4120-9249-FC9774456FFA}" type="datetimeFigureOut">
               <a:rPr lang="zh-CN" altLang="en-US" smtClean="0"/>
-              <a:t>2022/8/15</a:t>
+              <a:t>2022/9/4</a:t>
             </a:fld>
             <a:endParaRPr lang="zh-CN" altLang="en-US"/>
           </a:p>
@@ -729,7 +729,7 @@
           <a:p>
             <a:fld id="{760FBDFE-C587-4B4C-A407-44438C67B59E}" type="datetimeFigureOut">
               <a:rPr lang="zh-CN" altLang="en-US" smtClean="0"/>
-              <a:t>2022/8/15</a:t>
+              <a:t>2022/9/4</a:t>
             </a:fld>
             <a:endParaRPr lang="zh-CN" altLang="en-US"/>
           </a:p>
@@ -895,7 +895,7 @@
           <a:p>
             <a:fld id="{760FBDFE-C587-4B4C-A407-44438C67B59E}" type="datetimeFigureOut">
               <a:rPr lang="zh-CN" altLang="en-US" smtClean="0"/>
-              <a:t>2022/8/15</a:t>
+              <a:t>2022/9/4</a:t>
             </a:fld>
             <a:endParaRPr lang="zh-CN" altLang="en-US"/>
           </a:p>
@@ -1191,7 +1191,7 @@
           <a:p>
             <a:fld id="{760FBDFE-C587-4B4C-A407-44438C67B59E}" type="datetimeFigureOut">
               <a:rPr lang="zh-CN" altLang="en-US" smtClean="0"/>
-              <a:t>2022/8/15</a:t>
+              <a:t>2022/9/4</a:t>
             </a:fld>
             <a:endParaRPr lang="zh-CN" altLang="en-US"/>
           </a:p>
@@ -1441,7 +1441,7 @@
           <a:p>
             <a:fld id="{760FBDFE-C587-4B4C-A407-44438C67B59E}" type="datetimeFigureOut">
               <a:rPr lang="zh-CN" altLang="en-US" smtClean="0"/>
-              <a:t>2022/8/15</a:t>
+              <a:t>2022/9/4</a:t>
             </a:fld>
             <a:endParaRPr lang="zh-CN" altLang="en-US"/>
           </a:p>
@@ -1820,7 +1820,7 @@
           <a:p>
             <a:fld id="{760FBDFE-C587-4B4C-A407-44438C67B59E}" type="datetimeFigureOut">
               <a:rPr lang="zh-CN" altLang="en-US" smtClean="0"/>
-              <a:t>2022/8/15</a:t>
+              <a:t>2022/9/4</a:t>
             </a:fld>
             <a:endParaRPr lang="zh-CN" altLang="en-US"/>
           </a:p>
@@ -2179,7 +2179,7 @@
           <a:p>
             <a:fld id="{760FBDFE-C587-4B4C-A407-44438C67B59E}" type="datetimeFigureOut">
               <a:rPr lang="zh-CN" altLang="en-US" smtClean="0"/>
-              <a:t>2022/8/15</a:t>
+              <a:t>2022/9/4</a:t>
             </a:fld>
             <a:endParaRPr lang="zh-CN" altLang="en-US"/>
           </a:p>
@@ -2310,7 +2310,7 @@
           <a:p>
             <a:fld id="{760FBDFE-C587-4B4C-A407-44438C67B59E}" type="datetimeFigureOut">
               <a:rPr lang="zh-CN" altLang="en-US" smtClean="0"/>
-              <a:t>2022/8/15</a:t>
+              <a:t>2022/9/4</a:t>
             </a:fld>
             <a:endParaRPr lang="zh-CN" altLang="en-US"/>
           </a:p>
@@ -2400,7 +2400,7 @@
           <a:p>
             <a:fld id="{760FBDFE-C587-4B4C-A407-44438C67B59E}" type="datetimeFigureOut">
               <a:rPr lang="zh-CN" altLang="en-US" smtClean="0"/>
-              <a:t>2022/8/15</a:t>
+              <a:t>2022/9/4</a:t>
             </a:fld>
             <a:endParaRPr lang="zh-CN" altLang="en-US"/>
           </a:p>
@@ -2662,7 +2662,7 @@
           <a:p>
             <a:fld id="{9EFD9D74-47D9-4702-A33C-335B63B48DBF}" type="datetimeFigureOut">
               <a:rPr lang="zh-CN" altLang="en-US" smtClean="0"/>
-              <a:t>2022/8/15</a:t>
+              <a:t>2022/9/4</a:t>
             </a:fld>
             <a:endParaRPr lang="zh-CN" altLang="en-US" dirty="0"/>
           </a:p>
@@ -2871,7 +2871,7 @@
           <a:p>
             <a:fld id="{760FBDFE-C587-4B4C-A407-44438C67B59E}" type="datetimeFigureOut">
               <a:rPr lang="zh-CN" altLang="en-US" smtClean="0"/>
-              <a:t>2022/8/15</a:t>
+              <a:t>2022/9/4</a:t>
             </a:fld>
             <a:endParaRPr lang="zh-CN" altLang="en-US"/>
           </a:p>
@@ -3082,7 +3082,7 @@
           <a:p>
             <a:fld id="{760FBDFE-C587-4B4C-A407-44438C67B59E}" type="datetimeFigureOut">
               <a:rPr lang="zh-CN" altLang="en-US" smtClean="0"/>
-              <a:t>2022/8/15</a:t>
+              <a:t>2022/9/4</a:t>
             </a:fld>
             <a:endParaRPr lang="zh-CN" altLang="en-US"/>
           </a:p>

--- a/go-micro和kafka.pptx
+++ b/go-micro和kafka.pptx
@@ -224,7 +224,7 @@
           <a:p>
             <a:fld id="{0F9B84EA-7D68-4D60-9CB1-D50884785D1C}" type="datetimeFigureOut">
               <a:rPr lang="zh-CN" altLang="en-US" smtClean="0"/>
-              <a:t>2022/9/4</a:t>
+              <a:t>2022/8/15</a:t>
             </a:fld>
             <a:endParaRPr lang="zh-CN" altLang="en-US"/>
           </a:p>
@@ -389,7 +389,7 @@
           <a:p>
             <a:fld id="{D6C8D182-E4C8-4120-9249-FC9774456FFA}" type="datetimeFigureOut">
               <a:rPr lang="zh-CN" altLang="en-US" smtClean="0"/>
-              <a:t>2022/9/4</a:t>
+              <a:t>2022/8/15</a:t>
             </a:fld>
             <a:endParaRPr lang="zh-CN" altLang="en-US"/>
           </a:p>
@@ -729,7 +729,7 @@
           <a:p>
             <a:fld id="{760FBDFE-C587-4B4C-A407-44438C67B59E}" type="datetimeFigureOut">
               <a:rPr lang="zh-CN" altLang="en-US" smtClean="0"/>
-              <a:t>2022/9/4</a:t>
+              <a:t>2022/8/15</a:t>
             </a:fld>
             <a:endParaRPr lang="zh-CN" altLang="en-US"/>
           </a:p>
@@ -895,7 +895,7 @@
           <a:p>
             <a:fld id="{760FBDFE-C587-4B4C-A407-44438C67B59E}" type="datetimeFigureOut">
               <a:rPr lang="zh-CN" altLang="en-US" smtClean="0"/>
-              <a:t>2022/9/4</a:t>
+              <a:t>2022/8/15</a:t>
             </a:fld>
             <a:endParaRPr lang="zh-CN" altLang="en-US"/>
           </a:p>
@@ -1191,7 +1191,7 @@
           <a:p>
             <a:fld id="{760FBDFE-C587-4B4C-A407-44438C67B59E}" type="datetimeFigureOut">
               <a:rPr lang="zh-CN" altLang="en-US" smtClean="0"/>
-              <a:t>2022/9/4</a:t>
+              <a:t>2022/8/15</a:t>
             </a:fld>
             <a:endParaRPr lang="zh-CN" altLang="en-US"/>
           </a:p>
@@ -1441,7 +1441,7 @@
           <a:p>
             <a:fld id="{760FBDFE-C587-4B4C-A407-44438C67B59E}" type="datetimeFigureOut">
               <a:rPr lang="zh-CN" altLang="en-US" smtClean="0"/>
-              <a:t>2022/9/4</a:t>
+              <a:t>2022/8/15</a:t>
             </a:fld>
             <a:endParaRPr lang="zh-CN" altLang="en-US"/>
           </a:p>
@@ -1820,7 +1820,7 @@
           <a:p>
             <a:fld id="{760FBDFE-C587-4B4C-A407-44438C67B59E}" type="datetimeFigureOut">
               <a:rPr lang="zh-CN" altLang="en-US" smtClean="0"/>
-              <a:t>2022/9/4</a:t>
+              <a:t>2022/8/15</a:t>
             </a:fld>
             <a:endParaRPr lang="zh-CN" altLang="en-US"/>
           </a:p>
@@ -2179,7 +2179,7 @@
           <a:p>
             <a:fld id="{760FBDFE-C587-4B4C-A407-44438C67B59E}" type="datetimeFigureOut">
               <a:rPr lang="zh-CN" altLang="en-US" smtClean="0"/>
-              <a:t>2022/9/4</a:t>
+              <a:t>2022/8/15</a:t>
             </a:fld>
             <a:endParaRPr lang="zh-CN" altLang="en-US"/>
           </a:p>
@@ -2310,7 +2310,7 @@
           <a:p>
             <a:fld id="{760FBDFE-C587-4B4C-A407-44438C67B59E}" type="datetimeFigureOut">
               <a:rPr lang="zh-CN" altLang="en-US" smtClean="0"/>
-              <a:t>2022/9/4</a:t>
+              <a:t>2022/8/15</a:t>
             </a:fld>
             <a:endParaRPr lang="zh-CN" altLang="en-US"/>
           </a:p>
@@ -2400,7 +2400,7 @@
           <a:p>
             <a:fld id="{760FBDFE-C587-4B4C-A407-44438C67B59E}" type="datetimeFigureOut">
               <a:rPr lang="zh-CN" altLang="en-US" smtClean="0"/>
-              <a:t>2022/9/4</a:t>
+              <a:t>2022/8/15</a:t>
             </a:fld>
             <a:endParaRPr lang="zh-CN" altLang="en-US"/>
           </a:p>
@@ -2662,7 +2662,7 @@
           <a:p>
             <a:fld id="{9EFD9D74-47D9-4702-A33C-335B63B48DBF}" type="datetimeFigureOut">
               <a:rPr lang="zh-CN" altLang="en-US" smtClean="0"/>
-              <a:t>2022/9/4</a:t>
+              <a:t>2022/8/15</a:t>
             </a:fld>
             <a:endParaRPr lang="zh-CN" altLang="en-US" dirty="0"/>
           </a:p>
@@ -2871,7 +2871,7 @@
           <a:p>
             <a:fld id="{760FBDFE-C587-4B4C-A407-44438C67B59E}" type="datetimeFigureOut">
               <a:rPr lang="zh-CN" altLang="en-US" smtClean="0"/>
-              <a:t>2022/9/4</a:t>
+              <a:t>2022/8/15</a:t>
             </a:fld>
             <a:endParaRPr lang="zh-CN" altLang="en-US"/>
           </a:p>
@@ -3082,7 +3082,7 @@
           <a:p>
             <a:fld id="{760FBDFE-C587-4B4C-A407-44438C67B59E}" type="datetimeFigureOut">
               <a:rPr lang="zh-CN" altLang="en-US" smtClean="0"/>
-              <a:t>2022/9/4</a:t>
+              <a:t>2022/8/15</a:t>
             </a:fld>
             <a:endParaRPr lang="zh-CN" altLang="en-US"/>
           </a:p>

--- a/go-micro和kafka.pptx
+++ b/go-micro和kafka.pptx
@@ -224,7 +224,7 @@
           <a:p>
             <a:fld id="{0F9B84EA-7D68-4D60-9CB1-D50884785D1C}" type="datetimeFigureOut">
               <a:rPr lang="zh-CN" altLang="en-US" smtClean="0"/>
-              <a:t>2022/8/15</a:t>
+              <a:t>2022/9/4</a:t>
             </a:fld>
             <a:endParaRPr lang="zh-CN" altLang="en-US"/>
           </a:p>
@@ -389,7 +389,7 @@
           <a:p>
             <a:fld id="{D6C8D182-E4C8-4120-9249-FC9774456FFA}" type="datetimeFigureOut">
               <a:rPr lang="zh-CN" altLang="en-US" smtClean="0"/>
-              <a:t>2022/8/15</a:t>
+              <a:t>2022/9/4</a:t>
             </a:fld>
             <a:endParaRPr lang="zh-CN" altLang="en-US"/>
           </a:p>
@@ -729,7 +729,7 @@
           <a:p>
             <a:fld id="{760FBDFE-C587-4B4C-A407-44438C67B59E}" type="datetimeFigureOut">
               <a:rPr lang="zh-CN" altLang="en-US" smtClean="0"/>
-              <a:t>2022/8/15</a:t>
+              <a:t>2022/9/4</a:t>
             </a:fld>
             <a:endParaRPr lang="zh-CN" altLang="en-US"/>
           </a:p>
@@ -895,7 +895,7 @@
           <a:p>
             <a:fld id="{760FBDFE-C587-4B4C-A407-44438C67B59E}" type="datetimeFigureOut">
               <a:rPr lang="zh-CN" altLang="en-US" smtClean="0"/>
-              <a:t>2022/8/15</a:t>
+              <a:t>2022/9/4</a:t>
             </a:fld>
             <a:endParaRPr lang="zh-CN" altLang="en-US"/>
           </a:p>
@@ -1191,7 +1191,7 @@
           <a:p>
             <a:fld id="{760FBDFE-C587-4B4C-A407-44438C67B59E}" type="datetimeFigureOut">
               <a:rPr lang="zh-CN" altLang="en-US" smtClean="0"/>
-              <a:t>2022/8/15</a:t>
+              <a:t>2022/9/4</a:t>
             </a:fld>
             <a:endParaRPr lang="zh-CN" altLang="en-US"/>
           </a:p>
@@ -1441,7 +1441,7 @@
           <a:p>
             <a:fld id="{760FBDFE-C587-4B4C-A407-44438C67B59E}" type="datetimeFigureOut">
               <a:rPr lang="zh-CN" altLang="en-US" smtClean="0"/>
-              <a:t>2022/8/15</a:t>
+              <a:t>2022/9/4</a:t>
             </a:fld>
             <a:endParaRPr lang="zh-CN" altLang="en-US"/>
           </a:p>
@@ -1820,7 +1820,7 @@
           <a:p>
             <a:fld id="{760FBDFE-C587-4B4C-A407-44438C67B59E}" type="datetimeFigureOut">
               <a:rPr lang="zh-CN" altLang="en-US" smtClean="0"/>
-              <a:t>2022/8/15</a:t>
+              <a:t>2022/9/4</a:t>
             </a:fld>
             <a:endParaRPr lang="zh-CN" altLang="en-US"/>
           </a:p>
@@ -2179,7 +2179,7 @@
           <a:p>
             <a:fld id="{760FBDFE-C587-4B4C-A407-44438C67B59E}" type="datetimeFigureOut">
               <a:rPr lang="zh-CN" altLang="en-US" smtClean="0"/>
-              <a:t>2022/8/15</a:t>
+              <a:t>2022/9/4</a:t>
             </a:fld>
             <a:endParaRPr lang="zh-CN" altLang="en-US"/>
           </a:p>
@@ -2310,7 +2310,7 @@
           <a:p>
             <a:fld id="{760FBDFE-C587-4B4C-A407-44438C67B59E}" type="datetimeFigureOut">
               <a:rPr lang="zh-CN" altLang="en-US" smtClean="0"/>
-              <a:t>2022/8/15</a:t>
+              <a:t>2022/9/4</a:t>
             </a:fld>
             <a:endParaRPr lang="zh-CN" altLang="en-US"/>
           </a:p>
@@ -2400,7 +2400,7 @@
           <a:p>
             <a:fld id="{760FBDFE-C587-4B4C-A407-44438C67B59E}" type="datetimeFigureOut">
               <a:rPr lang="zh-CN" altLang="en-US" smtClean="0"/>
-              <a:t>2022/8/15</a:t>
+              <a:t>2022/9/4</a:t>
             </a:fld>
             <a:endParaRPr lang="zh-CN" altLang="en-US"/>
           </a:p>
@@ -2662,7 +2662,7 @@
           <a:p>
             <a:fld id="{9EFD9D74-47D9-4702-A33C-335B63B48DBF}" type="datetimeFigureOut">
               <a:rPr lang="zh-CN" altLang="en-US" smtClean="0"/>
-              <a:t>2022/8/15</a:t>
+              <a:t>2022/9/4</a:t>
             </a:fld>
             <a:endParaRPr lang="zh-CN" altLang="en-US" dirty="0"/>
           </a:p>
@@ -2871,7 +2871,7 @@
           <a:p>
             <a:fld id="{760FBDFE-C587-4B4C-A407-44438C67B59E}" type="datetimeFigureOut">
               <a:rPr lang="zh-CN" altLang="en-US" smtClean="0"/>
-              <a:t>2022/8/15</a:t>
+              <a:t>2022/9/4</a:t>
             </a:fld>
             <a:endParaRPr lang="zh-CN" altLang="en-US"/>
           </a:p>
@@ -3082,7 +3082,7 @@
           <a:p>
             <a:fld id="{760FBDFE-C587-4B4C-A407-44438C67B59E}" type="datetimeFigureOut">
               <a:rPr lang="zh-CN" altLang="en-US" smtClean="0"/>
-              <a:t>2022/8/15</a:t>
+              <a:t>2022/9/4</a:t>
             </a:fld>
             <a:endParaRPr lang="zh-CN" altLang="en-US"/>
           </a:p>
@@ -5609,7 +5609,7 @@
         </p:blipFill>
         <p:spPr bwMode="auto">
           <a:xfrm>
-            <a:off x="3" y="1179413"/>
+            <a:off x="174812" y="1179413"/>
             <a:ext cx="5807231" cy="2142011"/>
           </a:xfrm>
           <a:prstGeom prst="rect">
@@ -5732,7 +5732,7 @@
         <p:spPr>
           <a:xfrm>
             <a:off x="174812" y="3949896"/>
-            <a:ext cx="4625787" cy="2031325"/>
+            <a:ext cx="5041955" cy="1754326"/>
           </a:xfrm>
           <a:prstGeom prst="rect">
             <a:avLst/>
